--- a/Microservice Architecture.pptx
+++ b/Microservice Architecture.pptx
@@ -4107,65 +4107,6 @@
               <a:rPr lang="en-US" dirty="0"/>
               <a:t>Proposed Solution Approach - Revolutionary</a:t>
             </a:r>
-          </a:p>
-        </p:txBody>
-      </p:sp>
-      <p:sp>
-        <p:nvSpPr>
-          <p:cNvPr id="4" name="Footer Placeholder 3">
-            <a:extLst>
-              <a:ext uri="{FF2B5EF4-FFF2-40B4-BE49-F238E27FC236}">
-                <a16:creationId xmlns:a16="http://schemas.microsoft.com/office/drawing/2014/main" id="{B2447A3E-D118-4572-BBD6-EAE77EA03887}"/>
-              </a:ext>
-            </a:extLst>
-          </p:cNvPr>
-          <p:cNvSpPr>
-            <a:spLocks noGrp="1"/>
-          </p:cNvSpPr>
-          <p:nvPr>
-            <p:ph type="ftr" sz="quarter" idx="11"/>
-          </p:nvPr>
-        </p:nvSpPr>
-        <p:spPr/>
-        <p:txBody>
-          <a:bodyPr/>
-          <a:lstStyle/>
-          <a:p>
-            <a:r>
-              <a:rPr lang="en-US"/>
-              <a:t>©2020 ITC Infotech. All Rights Reserved.</a:t>
-            </a:r>
-            <a:endParaRPr lang="en-IN" dirty="0"/>
-          </a:p>
-        </p:txBody>
-      </p:sp>
-      <p:sp>
-        <p:nvSpPr>
-          <p:cNvPr id="5" name="Slide Number Placeholder 4">
-            <a:extLst>
-              <a:ext uri="{FF2B5EF4-FFF2-40B4-BE49-F238E27FC236}">
-                <a16:creationId xmlns:a16="http://schemas.microsoft.com/office/drawing/2014/main" id="{6E7DB5F2-0B34-4D71-8158-C05BD12EFE07}"/>
-              </a:ext>
-            </a:extLst>
-          </p:cNvPr>
-          <p:cNvSpPr>
-            <a:spLocks noGrp="1"/>
-          </p:cNvSpPr>
-          <p:nvPr>
-            <p:ph type="sldNum" sz="quarter" idx="12"/>
-          </p:nvPr>
-        </p:nvSpPr>
-        <p:spPr/>
-        <p:txBody>
-          <a:bodyPr/>
-          <a:lstStyle/>
-          <a:p>
-            <a:fld id="{53CF2EA8-35F1-4A35-9763-13466C1417DD}" type="slidenum">
-              <a:rPr lang="en-IN" smtClean="0"/>
-              <a:pPr/>
-              <a:t>1</a:t>
-            </a:fld>
-            <a:endParaRPr lang="en-IN" dirty="0"/>
           </a:p>
         </p:txBody>
       </p:sp>
@@ -9477,6 +9418,24 @@
 </file>
 
 <file path=customXml/item1.xml><?xml version="1.0" encoding="utf-8"?>
+<p:properties xmlns:p="http://schemas.microsoft.com/office/2006/metadata/properties" xmlns:xsi="http://www.w3.org/2001/XMLSchema-instance" xmlns:pc="http://schemas.microsoft.com/office/infopath/2007/PartnerControls">
+  <documentManagement>
+    <_ip_UnifiedCompliancePolicyUIAction xmlns="http://schemas.microsoft.com/sharepoint/v3">4</_ip_UnifiedCompliancePolicyUIAction>
+    <_ip_UnifiedCompliancePolicyProperties xmlns="http://schemas.microsoft.com/sharepoint/v3" xsi:nil="true"/>
+  </documentManagement>
+</p:properties>
+</file>
+
+<file path=customXml/item2.xml><?xml version="1.0" encoding="utf-8"?>
+<?mso-contentType ?>
+<FormTemplates xmlns="http://schemas.microsoft.com/sharepoint/v3/contenttype/forms">
+  <Display>DocumentLibraryForm</Display>
+  <Edit>DocumentLibraryForm</Edit>
+  <New>DocumentLibraryForm</New>
+</FormTemplates>
+</file>
+
+<file path=customXml/item3.xml><?xml version="1.0" encoding="utf-8"?>
 <ct:contentTypeSchema xmlns:ct="http://schemas.microsoft.com/office/2006/metadata/contentType" xmlns:ma="http://schemas.microsoft.com/office/2006/metadata/properties/metaAttributes" ct:_="" ma:_="" ma:contentTypeName="Document" ma:contentTypeID="0x0101007603B2EB100D844C829E1ADD08AE8497" ma:contentTypeVersion="6" ma:contentTypeDescription="Create a new document." ma:contentTypeScope="" ma:versionID="9272e5f7be9977f800fae74735b61fce">
   <xsd:schema xmlns:xsd="http://www.w3.org/2001/XMLSchema" xmlns:xs="http://www.w3.org/2001/XMLSchema" xmlns:p="http://schemas.microsoft.com/office/2006/metadata/properties" xmlns:ns1="http://schemas.microsoft.com/sharepoint/v3" xmlns:ns2="d8fba132-e98e-492d-8699-eb825456b4f6" targetNamespace="http://schemas.microsoft.com/office/2006/metadata/properties" ma:root="true" ma:fieldsID="7f5c34e0d5503359b93a1e41674f16d0" ns1:_="" ns2:_="">
     <xsd:import namespace="http://schemas.microsoft.com/sharepoint/v3"/>
@@ -9639,25 +9598,32 @@
 </ct:contentTypeSchema>
 </file>
 
-<file path=customXml/item2.xml><?xml version="1.0" encoding="utf-8"?>
-<?mso-contentType ?>
-<FormTemplates xmlns="http://schemas.microsoft.com/sharepoint/v3/contenttype/forms">
-  <Display>DocumentLibraryForm</Display>
-  <Edit>DocumentLibraryForm</Edit>
-  <New>DocumentLibraryForm</New>
-</FormTemplates>
+<file path=customXml/itemProps1.xml><?xml version="1.0" encoding="utf-8"?>
+<ds:datastoreItem xmlns:ds="http://schemas.openxmlformats.org/officeDocument/2006/customXml" ds:itemID="{4141AFED-F2ED-4694-B06A-569856B1BEAF}">
+  <ds:schemaRefs>
+    <ds:schemaRef ds:uri="http://schemas.microsoft.com/sharepoint/v3"/>
+    <ds:schemaRef ds:uri="http://purl.org/dc/elements/1.1/"/>
+    <ds:schemaRef ds:uri="http://schemas.microsoft.com/office/infopath/2007/PartnerControls"/>
+    <ds:schemaRef ds:uri="http://purl.org/dc/terms/"/>
+    <ds:schemaRef ds:uri="http://purl.org/dc/dcmitype/"/>
+    <ds:schemaRef ds:uri="http://schemas.microsoft.com/office/2006/documentManagement/types"/>
+    <ds:schemaRef ds:uri="http://schemas.microsoft.com/office/2006/metadata/properties"/>
+    <ds:schemaRef ds:uri="http://schemas.openxmlformats.org/package/2006/metadata/core-properties"/>
+    <ds:schemaRef ds:uri="1fc2ed14-3779-41ef-812b-7f9f28bcdf26"/>
+    <ds:schemaRef ds:uri="http://www.w3.org/XML/1998/namespace"/>
+  </ds:schemaRefs>
+</ds:datastoreItem>
 </file>
 
-<file path=customXml/item3.xml><?xml version="1.0" encoding="utf-8"?>
-<p:properties xmlns:p="http://schemas.microsoft.com/office/2006/metadata/properties" xmlns:xsi="http://www.w3.org/2001/XMLSchema-instance" xmlns:pc="http://schemas.microsoft.com/office/infopath/2007/PartnerControls">
-  <documentManagement>
-    <_ip_UnifiedCompliancePolicyUIAction xmlns="http://schemas.microsoft.com/sharepoint/v3">4</_ip_UnifiedCompliancePolicyUIAction>
-    <_ip_UnifiedCompliancePolicyProperties xmlns="http://schemas.microsoft.com/sharepoint/v3" xsi:nil="true"/>
-  </documentManagement>
-</p:properties>
+<file path=customXml/itemProps2.xml><?xml version="1.0" encoding="utf-8"?>
+<ds:datastoreItem xmlns:ds="http://schemas.openxmlformats.org/officeDocument/2006/customXml" ds:itemID="{8043CF4A-8274-4748-823D-89FABF56C0E2}">
+  <ds:schemaRefs>
+    <ds:schemaRef ds:uri="http://schemas.microsoft.com/sharepoint/v3/contenttype/forms"/>
+  </ds:schemaRefs>
+</ds:datastoreItem>
 </file>
 
-<file path=customXml/itemProps1.xml><?xml version="1.0" encoding="utf-8"?>
+<file path=customXml/itemProps3.xml><?xml version="1.0" encoding="utf-8"?>
 <ds:datastoreItem xmlns:ds="http://schemas.openxmlformats.org/officeDocument/2006/customXml" ds:itemID="{3E66DEA0-5ACC-4C78-B319-5A891A29C099}">
   <ds:schemaRefs>
     <ds:schemaRef ds:uri="http://schemas.microsoft.com/office/2006/metadata/contentType"/>
@@ -9674,29 +9640,4 @@
     <ds:schemaRef ds:uri="http://schemas.microsoft.com/internal/obd"/>
   </ds:schemaRefs>
 </ds:datastoreItem>
-</file>
-
-<file path=customXml/itemProps2.xml><?xml version="1.0" encoding="utf-8"?>
-<ds:datastoreItem xmlns:ds="http://schemas.openxmlformats.org/officeDocument/2006/customXml" ds:itemID="{8043CF4A-8274-4748-823D-89FABF56C0E2}">
-  <ds:schemaRefs>
-    <ds:schemaRef ds:uri="http://schemas.microsoft.com/sharepoint/v3/contenttype/forms"/>
-  </ds:schemaRefs>
-</ds:datastoreItem>
-</file>
-
-<file path=customXml/itemProps3.xml><?xml version="1.0" encoding="utf-8"?>
-<ds:datastoreItem xmlns:ds="http://schemas.openxmlformats.org/officeDocument/2006/customXml" ds:itemID="{4141AFED-F2ED-4694-B06A-569856B1BEAF}">
-  <ds:schemaRefs>
-    <ds:schemaRef ds:uri="http://schemas.microsoft.com/sharepoint/v3"/>
-    <ds:schemaRef ds:uri="http://purl.org/dc/elements/1.1/"/>
-    <ds:schemaRef ds:uri="http://schemas.microsoft.com/office/infopath/2007/PartnerControls"/>
-    <ds:schemaRef ds:uri="http://purl.org/dc/terms/"/>
-    <ds:schemaRef ds:uri="http://purl.org/dc/dcmitype/"/>
-    <ds:schemaRef ds:uri="http://schemas.microsoft.com/office/2006/documentManagement/types"/>
-    <ds:schemaRef ds:uri="http://schemas.microsoft.com/office/2006/metadata/properties"/>
-    <ds:schemaRef ds:uri="http://schemas.openxmlformats.org/package/2006/metadata/core-properties"/>
-    <ds:schemaRef ds:uri="1fc2ed14-3779-41ef-812b-7f9f28bcdf26"/>
-    <ds:schemaRef ds:uri="http://www.w3.org/XML/1998/namespace"/>
-  </ds:schemaRefs>
-</ds:datastoreItem>
 </file>